--- a/other documents/Flowchart repeat.pptx
+++ b/other documents/Flowchart repeat.pptx
@@ -8,7 +8,9 @@
     <p:sldId id="256" r:id="rId2"/>
     <p:sldId id="257" r:id="rId3"/>
     <p:sldId id="258" r:id="rId4"/>
-    <p:sldId id="259" r:id="rId5"/>
+    <p:sldId id="260" r:id="rId5"/>
+    <p:sldId id="259" r:id="rId6"/>
+    <p:sldId id="261" r:id="rId7"/>
   </p:sldIdLst>
   <p:sldSz cx="12192000" cy="6858000"/>
   <p:notesSz cx="6858000" cy="9144000"/>
@@ -262,7 +264,7 @@
           <a:p>
             <a:fld id="{7AA56839-58B9-4CA0-AAFC-953F4F42AB74}" type="datetimeFigureOut">
               <a:rPr lang="en-US" smtClean="0"/>
-              <a:t>12/27/2023</a:t>
+              <a:t>1/1/2024</a:t>
             </a:fld>
             <a:endParaRPr lang="en-US"/>
           </a:p>
@@ -460,7 +462,7 @@
           <a:p>
             <a:fld id="{7AA56839-58B9-4CA0-AAFC-953F4F42AB74}" type="datetimeFigureOut">
               <a:rPr lang="en-US" smtClean="0"/>
-              <a:t>12/27/2023</a:t>
+              <a:t>1/1/2024</a:t>
             </a:fld>
             <a:endParaRPr lang="en-US"/>
           </a:p>
@@ -668,7 +670,7 @@
           <a:p>
             <a:fld id="{7AA56839-58B9-4CA0-AAFC-953F4F42AB74}" type="datetimeFigureOut">
               <a:rPr lang="en-US" smtClean="0"/>
-              <a:t>12/27/2023</a:t>
+              <a:t>1/1/2024</a:t>
             </a:fld>
             <a:endParaRPr lang="en-US"/>
           </a:p>
@@ -866,7 +868,7 @@
           <a:p>
             <a:fld id="{7AA56839-58B9-4CA0-AAFC-953F4F42AB74}" type="datetimeFigureOut">
               <a:rPr lang="en-US" smtClean="0"/>
-              <a:t>12/27/2023</a:t>
+              <a:t>1/1/2024</a:t>
             </a:fld>
             <a:endParaRPr lang="en-US"/>
           </a:p>
@@ -1141,7 +1143,7 @@
           <a:p>
             <a:fld id="{7AA56839-58B9-4CA0-AAFC-953F4F42AB74}" type="datetimeFigureOut">
               <a:rPr lang="en-US" smtClean="0"/>
-              <a:t>12/27/2023</a:t>
+              <a:t>1/1/2024</a:t>
             </a:fld>
             <a:endParaRPr lang="en-US"/>
           </a:p>
@@ -1406,7 +1408,7 @@
           <a:p>
             <a:fld id="{7AA56839-58B9-4CA0-AAFC-953F4F42AB74}" type="datetimeFigureOut">
               <a:rPr lang="en-US" smtClean="0"/>
-              <a:t>12/27/2023</a:t>
+              <a:t>1/1/2024</a:t>
             </a:fld>
             <a:endParaRPr lang="en-US"/>
           </a:p>
@@ -1818,7 +1820,7 @@
           <a:p>
             <a:fld id="{7AA56839-58B9-4CA0-AAFC-953F4F42AB74}" type="datetimeFigureOut">
               <a:rPr lang="en-US" smtClean="0"/>
-              <a:t>12/27/2023</a:t>
+              <a:t>1/1/2024</a:t>
             </a:fld>
             <a:endParaRPr lang="en-US"/>
           </a:p>
@@ -1959,7 +1961,7 @@
           <a:p>
             <a:fld id="{7AA56839-58B9-4CA0-AAFC-953F4F42AB74}" type="datetimeFigureOut">
               <a:rPr lang="en-US" smtClean="0"/>
-              <a:t>12/27/2023</a:t>
+              <a:t>1/1/2024</a:t>
             </a:fld>
             <a:endParaRPr lang="en-US"/>
           </a:p>
@@ -2072,7 +2074,7 @@
           <a:p>
             <a:fld id="{7AA56839-58B9-4CA0-AAFC-953F4F42AB74}" type="datetimeFigureOut">
               <a:rPr lang="en-US" smtClean="0"/>
-              <a:t>12/27/2023</a:t>
+              <a:t>1/1/2024</a:t>
             </a:fld>
             <a:endParaRPr lang="en-US"/>
           </a:p>
@@ -2383,7 +2385,7 @@
           <a:p>
             <a:fld id="{7AA56839-58B9-4CA0-AAFC-953F4F42AB74}" type="datetimeFigureOut">
               <a:rPr lang="en-US" smtClean="0"/>
-              <a:t>12/27/2023</a:t>
+              <a:t>1/1/2024</a:t>
             </a:fld>
             <a:endParaRPr lang="en-US"/>
           </a:p>
@@ -2671,7 +2673,7 @@
           <a:p>
             <a:fld id="{7AA56839-58B9-4CA0-AAFC-953F4F42AB74}" type="datetimeFigureOut">
               <a:rPr lang="en-US" smtClean="0"/>
-              <a:t>12/27/2023</a:t>
+              <a:t>1/1/2024</a:t>
             </a:fld>
             <a:endParaRPr lang="en-US"/>
           </a:p>
@@ -2912,7 +2914,7 @@
           <a:p>
             <a:fld id="{7AA56839-58B9-4CA0-AAFC-953F4F42AB74}" type="datetimeFigureOut">
               <a:rPr lang="en-US" smtClean="0"/>
-              <a:t>12/27/2023</a:t>
+              <a:t>1/1/2024</a:t>
             </a:fld>
             <a:endParaRPr lang="en-US"/>
           </a:p>
@@ -5280,6 +5282,42 @@
           </a:p>
         </p:txBody>
       </p:sp>
+      <p:sp>
+        <p:nvSpPr>
+          <p:cNvPr id="6" name="TextBox 5">
+            <a:extLst>
+              <a:ext uri="{FF2B5EF4-FFF2-40B4-BE49-F238E27FC236}">
+                <a16:creationId xmlns:a16="http://schemas.microsoft.com/office/drawing/2014/main" id="{B19EED47-AA4B-0851-9B83-45A5E96D0ED0}"/>
+              </a:ext>
+            </a:extLst>
+          </p:cNvPr>
+          <p:cNvSpPr txBox="1"/>
+          <p:nvPr/>
+        </p:nvSpPr>
+        <p:spPr>
+          <a:xfrm>
+            <a:off x="5843016" y="265176"/>
+            <a:ext cx="1276311" cy="369332"/>
+          </a:xfrm>
+          <a:prstGeom prst="rect">
+            <a:avLst/>
+          </a:prstGeom>
+          <a:noFill/>
+        </p:spPr>
+        <p:txBody>
+          <a:bodyPr wrap="none" rtlCol="0">
+            <a:spAutoFit/>
+          </a:bodyPr>
+          <a:lstStyle/>
+          <a:p>
+            <a:r>
+              <a:rPr lang="tr-TR" dirty="0" err="1"/>
+              <a:t>UserSignUp</a:t>
+            </a:r>
+            <a:endParaRPr lang="tr-TR" dirty="0"/>
+          </a:p>
+        </p:txBody>
+      </p:sp>
     </p:spTree>
     <p:extLst>
       <p:ext uri="{BB962C8B-B14F-4D97-AF65-F5344CB8AC3E}">
@@ -5310,10 +5348,1031 @@
           <a:chExt cx="0" cy="0"/>
         </a:xfrm>
       </p:grpSpPr>
+      <p:sp>
+        <p:nvSpPr>
+          <p:cNvPr id="2" name="TextBox 1">
+            <a:extLst>
+              <a:ext uri="{FF2B5EF4-FFF2-40B4-BE49-F238E27FC236}">
+                <a16:creationId xmlns:a16="http://schemas.microsoft.com/office/drawing/2014/main" id="{44098B46-E2E2-A072-D463-4494499A865F}"/>
+              </a:ext>
+            </a:extLst>
+          </p:cNvPr>
+          <p:cNvSpPr txBox="1"/>
+          <p:nvPr/>
+        </p:nvSpPr>
+        <p:spPr>
+          <a:xfrm>
+            <a:off x="6675120" y="329184"/>
+            <a:ext cx="1789144" cy="369332"/>
+          </a:xfrm>
+          <a:prstGeom prst="rect">
+            <a:avLst/>
+          </a:prstGeom>
+          <a:noFill/>
+        </p:spPr>
+        <p:txBody>
+          <a:bodyPr wrap="none" rtlCol="0">
+            <a:spAutoFit/>
+          </a:bodyPr>
+          <a:lstStyle/>
+          <a:p>
+            <a:r>
+              <a:rPr lang="tr-TR" dirty="0" err="1"/>
+              <a:t>Change</a:t>
+            </a:r>
+            <a:r>
+              <a:rPr lang="tr-TR" dirty="0"/>
+              <a:t> User </a:t>
+            </a:r>
+            <a:r>
+              <a:rPr lang="tr-TR"/>
+              <a:t>Info</a:t>
+            </a:r>
+          </a:p>
+        </p:txBody>
+      </p:sp>
+    </p:spTree>
+    <p:extLst>
+      <p:ext uri="{BB962C8B-B14F-4D97-AF65-F5344CB8AC3E}">
+        <p14:creationId xmlns:p14="http://schemas.microsoft.com/office/powerpoint/2010/main" val="1108612735"/>
+      </p:ext>
+    </p:extLst>
+  </p:cSld>
+  <p:clrMapOvr>
+    <a:masterClrMapping/>
+  </p:clrMapOvr>
+</p:sld>
+</file>
+
+<file path=ppt/slides/slide5.xml><?xml version="1.0" encoding="utf-8"?>
+<p:sld xmlns:a="http://schemas.openxmlformats.org/drawingml/2006/main" xmlns:r="http://schemas.openxmlformats.org/officeDocument/2006/relationships" xmlns:p="http://schemas.openxmlformats.org/presentationml/2006/main">
+  <p:cSld>
+    <p:spTree>
+      <p:nvGrpSpPr>
+        <p:cNvPr id="1" name=""/>
+        <p:cNvGrpSpPr/>
+        <p:nvPr/>
+      </p:nvGrpSpPr>
+      <p:grpSpPr>
+        <a:xfrm>
+          <a:off x="0" y="0"/>
+          <a:ext cx="0" cy="0"/>
+          <a:chOff x="0" y="0"/>
+          <a:chExt cx="0" cy="0"/>
+        </a:xfrm>
+      </p:grpSpPr>
+      <p:sp>
+        <p:nvSpPr>
+          <p:cNvPr id="2" name="TextBox 1">
+            <a:extLst>
+              <a:ext uri="{FF2B5EF4-FFF2-40B4-BE49-F238E27FC236}">
+                <a16:creationId xmlns:a16="http://schemas.microsoft.com/office/drawing/2014/main" id="{03BB46ED-46EC-8509-85AA-DE9F7DAB5A73}"/>
+              </a:ext>
+            </a:extLst>
+          </p:cNvPr>
+          <p:cNvSpPr txBox="1"/>
+          <p:nvPr/>
+        </p:nvSpPr>
+        <p:spPr>
+          <a:xfrm>
+            <a:off x="5943600" y="256032"/>
+            <a:ext cx="566694" cy="369332"/>
+          </a:xfrm>
+          <a:prstGeom prst="rect">
+            <a:avLst/>
+          </a:prstGeom>
+          <a:noFill/>
+        </p:spPr>
+        <p:txBody>
+          <a:bodyPr wrap="none" rtlCol="0">
+            <a:spAutoFit/>
+          </a:bodyPr>
+          <a:lstStyle/>
+          <a:p>
+            <a:r>
+              <a:rPr lang="tr-TR" dirty="0"/>
+              <a:t>Play</a:t>
+            </a:r>
+            <a:endParaRPr lang="en-US" dirty="0"/>
+          </a:p>
+        </p:txBody>
+      </p:sp>
+      <p:sp>
+        <p:nvSpPr>
+          <p:cNvPr id="3" name="TextBox 2">
+            <a:extLst>
+              <a:ext uri="{FF2B5EF4-FFF2-40B4-BE49-F238E27FC236}">
+                <a16:creationId xmlns:a16="http://schemas.microsoft.com/office/drawing/2014/main" id="{1066D42E-D8A0-2B6C-B3A4-F996213A8E15}"/>
+              </a:ext>
+            </a:extLst>
+          </p:cNvPr>
+          <p:cNvSpPr txBox="1"/>
+          <p:nvPr/>
+        </p:nvSpPr>
+        <p:spPr>
+          <a:xfrm>
+            <a:off x="768096" y="1801368"/>
+            <a:ext cx="922368" cy="369332"/>
+          </a:xfrm>
+          <a:prstGeom prst="rect">
+            <a:avLst/>
+          </a:prstGeom>
+          <a:noFill/>
+        </p:spPr>
+        <p:txBody>
+          <a:bodyPr wrap="none" rtlCol="0">
+            <a:spAutoFit/>
+          </a:bodyPr>
+          <a:lstStyle/>
+          <a:p>
+            <a:r>
+              <a:rPr lang="tr-TR" dirty="0" err="1"/>
+              <a:t>drafting</a:t>
+            </a:r>
+            <a:endParaRPr lang="en-US" dirty="0"/>
+          </a:p>
+        </p:txBody>
+      </p:sp>
+      <p:sp>
+        <p:nvSpPr>
+          <p:cNvPr id="4" name="TextBox 3">
+            <a:extLst>
+              <a:ext uri="{FF2B5EF4-FFF2-40B4-BE49-F238E27FC236}">
+                <a16:creationId xmlns:a16="http://schemas.microsoft.com/office/drawing/2014/main" id="{CB6D4D59-72F4-91C3-A183-653DDD292CF8}"/>
+              </a:ext>
+            </a:extLst>
+          </p:cNvPr>
+          <p:cNvSpPr txBox="1"/>
+          <p:nvPr/>
+        </p:nvSpPr>
+        <p:spPr>
+          <a:xfrm>
+            <a:off x="4078224" y="1307592"/>
+            <a:ext cx="849913" cy="369332"/>
+          </a:xfrm>
+          <a:prstGeom prst="rect">
+            <a:avLst/>
+          </a:prstGeom>
+          <a:noFill/>
+        </p:spPr>
+        <p:txBody>
+          <a:bodyPr wrap="none" rtlCol="0">
+            <a:spAutoFit/>
+          </a:bodyPr>
+          <a:lstStyle/>
+          <a:p>
+            <a:r>
+              <a:rPr lang="tr-TR" dirty="0" err="1"/>
+              <a:t>Season</a:t>
+            </a:r>
+            <a:endParaRPr lang="en-US" dirty="0"/>
+          </a:p>
+        </p:txBody>
+      </p:sp>
+      <p:sp>
+        <p:nvSpPr>
+          <p:cNvPr id="5" name="TextBox 4">
+            <a:extLst>
+              <a:ext uri="{FF2B5EF4-FFF2-40B4-BE49-F238E27FC236}">
+                <a16:creationId xmlns:a16="http://schemas.microsoft.com/office/drawing/2014/main" id="{33651C3F-582B-6531-B833-B517248C9E82}"/>
+              </a:ext>
+            </a:extLst>
+          </p:cNvPr>
+          <p:cNvSpPr txBox="1"/>
+          <p:nvPr/>
+        </p:nvSpPr>
+        <p:spPr>
+          <a:xfrm>
+            <a:off x="4078224" y="1801368"/>
+            <a:ext cx="804066" cy="369332"/>
+          </a:xfrm>
+          <a:prstGeom prst="rect">
+            <a:avLst/>
+          </a:prstGeom>
+          <a:noFill/>
+        </p:spPr>
+        <p:txBody>
+          <a:bodyPr wrap="none" rtlCol="0">
+            <a:spAutoFit/>
+          </a:bodyPr>
+          <a:lstStyle/>
+          <a:p>
+            <a:r>
+              <a:rPr lang="tr-TR" dirty="0" err="1"/>
+              <a:t>Weeks</a:t>
+            </a:r>
+            <a:endParaRPr lang="en-US" dirty="0"/>
+          </a:p>
+        </p:txBody>
+      </p:sp>
+      <p:sp>
+        <p:nvSpPr>
+          <p:cNvPr id="6" name="TextBox 5">
+            <a:extLst>
+              <a:ext uri="{FF2B5EF4-FFF2-40B4-BE49-F238E27FC236}">
+                <a16:creationId xmlns:a16="http://schemas.microsoft.com/office/drawing/2014/main" id="{68264572-A155-F198-6D4D-60A49CB48D57}"/>
+              </a:ext>
+            </a:extLst>
+          </p:cNvPr>
+          <p:cNvSpPr txBox="1"/>
+          <p:nvPr/>
+        </p:nvSpPr>
+        <p:spPr>
+          <a:xfrm>
+            <a:off x="4242816" y="2478025"/>
+            <a:ext cx="1853184" cy="923330"/>
+          </a:xfrm>
+          <a:prstGeom prst="rect">
+            <a:avLst/>
+          </a:prstGeom>
+          <a:noFill/>
+        </p:spPr>
+        <p:txBody>
+          <a:bodyPr wrap="square" rtlCol="0">
+            <a:spAutoFit/>
+          </a:bodyPr>
+          <a:lstStyle/>
+          <a:p>
+            <a:r>
+              <a:rPr lang="tr-TR" dirty="0"/>
+              <a:t>1st </a:t>
+            </a:r>
+            <a:r>
+              <a:rPr lang="tr-TR" dirty="0" err="1"/>
+              <a:t>match</a:t>
+            </a:r>
+            <a:endParaRPr lang="tr-TR" dirty="0"/>
+          </a:p>
+          <a:p>
+            <a:r>
+              <a:rPr lang="tr-TR" dirty="0"/>
+              <a:t>2nd </a:t>
+            </a:r>
+            <a:r>
+              <a:rPr lang="tr-TR" dirty="0" err="1"/>
+              <a:t>match</a:t>
+            </a:r>
+            <a:endParaRPr lang="tr-TR" dirty="0"/>
+          </a:p>
+          <a:p>
+            <a:r>
+              <a:rPr lang="tr-TR" dirty="0"/>
+              <a:t>…</a:t>
+            </a:r>
+            <a:endParaRPr lang="en-US" dirty="0"/>
+          </a:p>
+        </p:txBody>
+      </p:sp>
+      <p:sp>
+        <p:nvSpPr>
+          <p:cNvPr id="7" name="TextBox 6">
+            <a:extLst>
+              <a:ext uri="{FF2B5EF4-FFF2-40B4-BE49-F238E27FC236}">
+                <a16:creationId xmlns:a16="http://schemas.microsoft.com/office/drawing/2014/main" id="{A0C5C593-120A-C0D2-C66E-417A1F87B00E}"/>
+              </a:ext>
+            </a:extLst>
+          </p:cNvPr>
+          <p:cNvSpPr txBox="1"/>
+          <p:nvPr/>
+        </p:nvSpPr>
+        <p:spPr>
+          <a:xfrm>
+            <a:off x="7278624" y="1536192"/>
+            <a:ext cx="771365" cy="369332"/>
+          </a:xfrm>
+          <a:prstGeom prst="rect">
+            <a:avLst/>
+          </a:prstGeom>
+          <a:noFill/>
+        </p:spPr>
+        <p:txBody>
+          <a:bodyPr wrap="none" rtlCol="0">
+            <a:spAutoFit/>
+          </a:bodyPr>
+          <a:lstStyle/>
+          <a:p>
+            <a:r>
+              <a:rPr lang="tr-TR" dirty="0" err="1"/>
+              <a:t>Finals</a:t>
+            </a:r>
+            <a:r>
+              <a:rPr lang="tr-TR" dirty="0"/>
+              <a:t> </a:t>
+            </a:r>
+            <a:endParaRPr lang="en-US" dirty="0"/>
+          </a:p>
+        </p:txBody>
+      </p:sp>
+      <p:sp>
+        <p:nvSpPr>
+          <p:cNvPr id="8" name="TextBox 7">
+            <a:extLst>
+              <a:ext uri="{FF2B5EF4-FFF2-40B4-BE49-F238E27FC236}">
+                <a16:creationId xmlns:a16="http://schemas.microsoft.com/office/drawing/2014/main" id="{D8850B8A-3196-AB55-C882-6C15B3444319}"/>
+              </a:ext>
+            </a:extLst>
+          </p:cNvPr>
+          <p:cNvSpPr txBox="1"/>
+          <p:nvPr/>
+        </p:nvSpPr>
+        <p:spPr>
+          <a:xfrm>
+            <a:off x="585216" y="2570358"/>
+            <a:ext cx="1667316" cy="369332"/>
+          </a:xfrm>
+          <a:prstGeom prst="rect">
+            <a:avLst/>
+          </a:prstGeom>
+          <a:noFill/>
+        </p:spPr>
+        <p:txBody>
+          <a:bodyPr wrap="none" rtlCol="0">
+            <a:spAutoFit/>
+          </a:bodyPr>
+          <a:lstStyle/>
+          <a:p>
+            <a:r>
+              <a:rPr lang="tr-TR" dirty="0" err="1"/>
+              <a:t>formPlayerList</a:t>
+            </a:r>
+            <a:r>
+              <a:rPr lang="tr-TR" dirty="0"/>
+              <a:t>()</a:t>
+            </a:r>
+            <a:endParaRPr lang="en-US" dirty="0"/>
+          </a:p>
+        </p:txBody>
+      </p:sp>
+      <p:sp>
+        <p:nvSpPr>
+          <p:cNvPr id="9" name="TextBox 8">
+            <a:extLst>
+              <a:ext uri="{FF2B5EF4-FFF2-40B4-BE49-F238E27FC236}">
+                <a16:creationId xmlns:a16="http://schemas.microsoft.com/office/drawing/2014/main" id="{697DB3A9-1D5F-3E51-4554-CEABF3239158}"/>
+              </a:ext>
+            </a:extLst>
+          </p:cNvPr>
+          <p:cNvSpPr txBox="1"/>
+          <p:nvPr/>
+        </p:nvSpPr>
+        <p:spPr>
+          <a:xfrm>
+            <a:off x="579180" y="3339348"/>
+            <a:ext cx="2084832" cy="369332"/>
+          </a:xfrm>
+          <a:prstGeom prst="rect">
+            <a:avLst/>
+          </a:prstGeom>
+          <a:noFill/>
+        </p:spPr>
+        <p:txBody>
+          <a:bodyPr wrap="square" rtlCol="0">
+            <a:spAutoFit/>
+          </a:bodyPr>
+          <a:lstStyle/>
+          <a:p>
+            <a:r>
+              <a:rPr lang="tr-TR" dirty="0"/>
+              <a:t>20 </a:t>
+            </a:r>
+            <a:r>
+              <a:rPr lang="tr-TR" dirty="0" err="1"/>
+              <a:t>team</a:t>
+            </a:r>
+            <a:endParaRPr lang="en-US" dirty="0"/>
+          </a:p>
+        </p:txBody>
+      </p:sp>
+      <p:sp>
+        <p:nvSpPr>
+          <p:cNvPr id="10" name="TextBox 9">
+            <a:extLst>
+              <a:ext uri="{FF2B5EF4-FFF2-40B4-BE49-F238E27FC236}">
+                <a16:creationId xmlns:a16="http://schemas.microsoft.com/office/drawing/2014/main" id="{4A6249F9-A188-307A-B4C4-A2B896CBC7C8}"/>
+              </a:ext>
+            </a:extLst>
+          </p:cNvPr>
+          <p:cNvSpPr txBox="1"/>
+          <p:nvPr/>
+        </p:nvSpPr>
+        <p:spPr>
+          <a:xfrm>
+            <a:off x="10460736" y="694944"/>
+            <a:ext cx="1100494" cy="369332"/>
+          </a:xfrm>
+          <a:prstGeom prst="rect">
+            <a:avLst/>
+          </a:prstGeom>
+          <a:noFill/>
+        </p:spPr>
+        <p:txBody>
+          <a:bodyPr wrap="none" rtlCol="0">
+            <a:spAutoFit/>
+          </a:bodyPr>
+          <a:lstStyle/>
+          <a:p>
+            <a:r>
+              <a:rPr lang="tr-TR" dirty="0"/>
+              <a:t>Team </a:t>
+            </a:r>
+            <a:r>
+              <a:rPr lang="tr-TR" dirty="0" err="1"/>
+              <a:t>info</a:t>
+            </a:r>
+            <a:endParaRPr lang="en-US" dirty="0"/>
+          </a:p>
+        </p:txBody>
+      </p:sp>
+      <p:sp>
+        <p:nvSpPr>
+          <p:cNvPr id="11" name="Rectangle 10">
+            <a:extLst>
+              <a:ext uri="{FF2B5EF4-FFF2-40B4-BE49-F238E27FC236}">
+                <a16:creationId xmlns:a16="http://schemas.microsoft.com/office/drawing/2014/main" id="{84B931E1-1AE3-4AFE-231A-A76F0509B361}"/>
+              </a:ext>
+            </a:extLst>
+          </p:cNvPr>
+          <p:cNvSpPr/>
+          <p:nvPr/>
+        </p:nvSpPr>
+        <p:spPr>
+          <a:xfrm>
+            <a:off x="704088" y="4206240"/>
+            <a:ext cx="2697480" cy="1060704"/>
+          </a:xfrm>
+          <a:prstGeom prst="rect">
+            <a:avLst/>
+          </a:prstGeom>
+        </p:spPr>
+        <p:style>
+          <a:lnRef idx="2">
+            <a:schemeClr val="accent1">
+              <a:shade val="15000"/>
+            </a:schemeClr>
+          </a:lnRef>
+          <a:fillRef idx="1">
+            <a:schemeClr val="accent1"/>
+          </a:fillRef>
+          <a:effectRef idx="0">
+            <a:schemeClr val="accent1"/>
+          </a:effectRef>
+          <a:fontRef idx="minor">
+            <a:schemeClr val="lt1"/>
+          </a:fontRef>
+        </p:style>
+        <p:txBody>
+          <a:bodyPr rtlCol="0" anchor="ctr"/>
+          <a:lstStyle/>
+          <a:p>
+            <a:pPr algn="ctr"/>
+            <a:endParaRPr lang="en-US"/>
+          </a:p>
+        </p:txBody>
+      </p:sp>
     </p:spTree>
     <p:extLst>
       <p:ext uri="{BB962C8B-B14F-4D97-AF65-F5344CB8AC3E}">
         <p14:creationId xmlns:p14="http://schemas.microsoft.com/office/powerpoint/2010/main" val="2798369221"/>
+      </p:ext>
+    </p:extLst>
+  </p:cSld>
+  <p:clrMapOvr>
+    <a:masterClrMapping/>
+  </p:clrMapOvr>
+</p:sld>
+</file>
+
+<file path=ppt/slides/slide6.xml><?xml version="1.0" encoding="utf-8"?>
+<p:sld xmlns:a="http://schemas.openxmlformats.org/drawingml/2006/main" xmlns:r="http://schemas.openxmlformats.org/officeDocument/2006/relationships" xmlns:p="http://schemas.openxmlformats.org/presentationml/2006/main">
+  <p:cSld>
+    <p:spTree>
+      <p:nvGrpSpPr>
+        <p:cNvPr id="1" name=""/>
+        <p:cNvGrpSpPr/>
+        <p:nvPr/>
+      </p:nvGrpSpPr>
+      <p:grpSpPr>
+        <a:xfrm>
+          <a:off x="0" y="0"/>
+          <a:ext cx="0" cy="0"/>
+          <a:chOff x="0" y="0"/>
+          <a:chExt cx="0" cy="0"/>
+        </a:xfrm>
+      </p:grpSpPr>
+      <p:pic>
+        <p:nvPicPr>
+          <p:cNvPr id="3" name="Picture 2">
+            <a:extLst>
+              <a:ext uri="{FF2B5EF4-FFF2-40B4-BE49-F238E27FC236}">
+                <a16:creationId xmlns:a16="http://schemas.microsoft.com/office/drawing/2014/main" id="{09E3F5E3-0592-3C2D-DFE6-37C474FF3052}"/>
+              </a:ext>
+            </a:extLst>
+          </p:cNvPr>
+          <p:cNvPicPr>
+            <a:picLocks noChangeAspect="1"/>
+          </p:cNvPicPr>
+          <p:nvPr/>
+        </p:nvPicPr>
+        <p:blipFill>
+          <a:blip r:embed="rId2"/>
+          <a:stretch>
+            <a:fillRect/>
+          </a:stretch>
+        </p:blipFill>
+        <p:spPr>
+          <a:xfrm>
+            <a:off x="562669" y="300923"/>
+            <a:ext cx="971686" cy="952633"/>
+          </a:xfrm>
+          <a:prstGeom prst="rect">
+            <a:avLst/>
+          </a:prstGeom>
+        </p:spPr>
+      </p:pic>
+      <p:pic>
+        <p:nvPicPr>
+          <p:cNvPr id="5" name="Picture 4">
+            <a:extLst>
+              <a:ext uri="{FF2B5EF4-FFF2-40B4-BE49-F238E27FC236}">
+                <a16:creationId xmlns:a16="http://schemas.microsoft.com/office/drawing/2014/main" id="{E8667EE3-4F4B-17B5-A99D-E1B30231BBDB}"/>
+              </a:ext>
+            </a:extLst>
+          </p:cNvPr>
+          <p:cNvPicPr>
+            <a:picLocks noChangeAspect="1"/>
+          </p:cNvPicPr>
+          <p:nvPr/>
+        </p:nvPicPr>
+        <p:blipFill>
+          <a:blip r:embed="rId3"/>
+          <a:stretch>
+            <a:fillRect/>
+          </a:stretch>
+        </p:blipFill>
+        <p:spPr>
+          <a:xfrm>
+            <a:off x="2246312" y="319211"/>
+            <a:ext cx="914528" cy="1028844"/>
+          </a:xfrm>
+          <a:prstGeom prst="rect">
+            <a:avLst/>
+          </a:prstGeom>
+        </p:spPr>
+      </p:pic>
+      <p:pic>
+        <p:nvPicPr>
+          <p:cNvPr id="7" name="Picture 6">
+            <a:extLst>
+              <a:ext uri="{FF2B5EF4-FFF2-40B4-BE49-F238E27FC236}">
+                <a16:creationId xmlns:a16="http://schemas.microsoft.com/office/drawing/2014/main" id="{A68A8E2D-1877-013C-C83A-2208ABA8A4EA}"/>
+              </a:ext>
+            </a:extLst>
+          </p:cNvPr>
+          <p:cNvPicPr>
+            <a:picLocks noChangeAspect="1"/>
+          </p:cNvPicPr>
+          <p:nvPr/>
+        </p:nvPicPr>
+        <p:blipFill>
+          <a:blip r:embed="rId4"/>
+          <a:stretch>
+            <a:fillRect/>
+          </a:stretch>
+        </p:blipFill>
+        <p:spPr>
+          <a:xfrm>
+            <a:off x="253302" y="1727387"/>
+            <a:ext cx="895475" cy="1019317"/>
+          </a:xfrm>
+          <a:prstGeom prst="rect">
+            <a:avLst/>
+          </a:prstGeom>
+        </p:spPr>
+      </p:pic>
+      <p:pic>
+        <p:nvPicPr>
+          <p:cNvPr id="9" name="Picture 8">
+            <a:extLst>
+              <a:ext uri="{FF2B5EF4-FFF2-40B4-BE49-F238E27FC236}">
+                <a16:creationId xmlns:a16="http://schemas.microsoft.com/office/drawing/2014/main" id="{694F542D-AA9E-5272-3B6D-58CDCA7EE92D}"/>
+              </a:ext>
+            </a:extLst>
+          </p:cNvPr>
+          <p:cNvPicPr>
+            <a:picLocks noChangeAspect="1"/>
+          </p:cNvPicPr>
+          <p:nvPr/>
+        </p:nvPicPr>
+        <p:blipFill>
+          <a:blip r:embed="rId5"/>
+          <a:stretch>
+            <a:fillRect/>
+          </a:stretch>
+        </p:blipFill>
+        <p:spPr>
+          <a:xfrm>
+            <a:off x="1715959" y="1791395"/>
+            <a:ext cx="1190791" cy="1086002"/>
+          </a:xfrm>
+          <a:prstGeom prst="rect">
+            <a:avLst/>
+          </a:prstGeom>
+        </p:spPr>
+      </p:pic>
+      <p:pic>
+        <p:nvPicPr>
+          <p:cNvPr id="11" name="Picture 10">
+            <a:extLst>
+              <a:ext uri="{FF2B5EF4-FFF2-40B4-BE49-F238E27FC236}">
+                <a16:creationId xmlns:a16="http://schemas.microsoft.com/office/drawing/2014/main" id="{E9C43A6D-FDCF-D08F-90FC-4A802C6FE251}"/>
+              </a:ext>
+            </a:extLst>
+          </p:cNvPr>
+          <p:cNvPicPr>
+            <a:picLocks noChangeAspect="1"/>
+          </p:cNvPicPr>
+          <p:nvPr/>
+        </p:nvPicPr>
+        <p:blipFill>
+          <a:blip r:embed="rId6"/>
+          <a:stretch>
+            <a:fillRect/>
+          </a:stretch>
+        </p:blipFill>
+        <p:spPr>
+          <a:xfrm>
+            <a:off x="3217280" y="1935405"/>
+            <a:ext cx="1057423" cy="1066949"/>
+          </a:xfrm>
+          <a:prstGeom prst="rect">
+            <a:avLst/>
+          </a:prstGeom>
+        </p:spPr>
+      </p:pic>
+      <p:pic>
+        <p:nvPicPr>
+          <p:cNvPr id="13" name="Picture 12">
+            <a:extLst>
+              <a:ext uri="{FF2B5EF4-FFF2-40B4-BE49-F238E27FC236}">
+                <a16:creationId xmlns:a16="http://schemas.microsoft.com/office/drawing/2014/main" id="{CA407A2D-DCA5-CDA8-3E7C-7ACFB1AF3156}"/>
+              </a:ext>
+            </a:extLst>
+          </p:cNvPr>
+          <p:cNvPicPr>
+            <a:picLocks noChangeAspect="1"/>
+          </p:cNvPicPr>
+          <p:nvPr/>
+        </p:nvPicPr>
+        <p:blipFill>
+          <a:blip r:embed="rId7"/>
+          <a:stretch>
+            <a:fillRect/>
+          </a:stretch>
+        </p:blipFill>
+        <p:spPr>
+          <a:xfrm>
+            <a:off x="4783931" y="2086712"/>
+            <a:ext cx="1362265" cy="790685"/>
+          </a:xfrm>
+          <a:prstGeom prst="rect">
+            <a:avLst/>
+          </a:prstGeom>
+        </p:spPr>
+      </p:pic>
+      <p:pic>
+        <p:nvPicPr>
+          <p:cNvPr id="15" name="Picture 14">
+            <a:extLst>
+              <a:ext uri="{FF2B5EF4-FFF2-40B4-BE49-F238E27FC236}">
+                <a16:creationId xmlns:a16="http://schemas.microsoft.com/office/drawing/2014/main" id="{1A64131F-81A6-6175-D55D-483A9BC747C1}"/>
+              </a:ext>
+            </a:extLst>
+          </p:cNvPr>
+          <p:cNvPicPr>
+            <a:picLocks noChangeAspect="1"/>
+          </p:cNvPicPr>
+          <p:nvPr/>
+        </p:nvPicPr>
+        <p:blipFill>
+          <a:blip r:embed="rId8"/>
+          <a:stretch>
+            <a:fillRect/>
+          </a:stretch>
+        </p:blipFill>
+        <p:spPr>
+          <a:xfrm>
+            <a:off x="6400157" y="1948579"/>
+            <a:ext cx="1019317" cy="1066949"/>
+          </a:xfrm>
+          <a:prstGeom prst="rect">
+            <a:avLst/>
+          </a:prstGeom>
+        </p:spPr>
+      </p:pic>
+      <p:pic>
+        <p:nvPicPr>
+          <p:cNvPr id="17" name="Picture 16">
+            <a:extLst>
+              <a:ext uri="{FF2B5EF4-FFF2-40B4-BE49-F238E27FC236}">
+                <a16:creationId xmlns:a16="http://schemas.microsoft.com/office/drawing/2014/main" id="{CEA3FBEB-494A-F85F-CDF2-AEF902C203EA}"/>
+              </a:ext>
+            </a:extLst>
+          </p:cNvPr>
+          <p:cNvPicPr>
+            <a:picLocks noChangeAspect="1"/>
+          </p:cNvPicPr>
+          <p:nvPr/>
+        </p:nvPicPr>
+        <p:blipFill>
+          <a:blip r:embed="rId9"/>
+          <a:stretch>
+            <a:fillRect/>
+          </a:stretch>
+        </p:blipFill>
+        <p:spPr>
+          <a:xfrm>
+            <a:off x="7886196" y="1934290"/>
+            <a:ext cx="1343212" cy="943107"/>
+          </a:xfrm>
+          <a:prstGeom prst="rect">
+            <a:avLst/>
+          </a:prstGeom>
+        </p:spPr>
+      </p:pic>
+      <p:pic>
+        <p:nvPicPr>
+          <p:cNvPr id="19" name="Picture 18">
+            <a:extLst>
+              <a:ext uri="{FF2B5EF4-FFF2-40B4-BE49-F238E27FC236}">
+                <a16:creationId xmlns:a16="http://schemas.microsoft.com/office/drawing/2014/main" id="{DD4B019B-B542-072C-9BE5-D65D4DEE11F0}"/>
+              </a:ext>
+            </a:extLst>
+          </p:cNvPr>
+          <p:cNvPicPr>
+            <a:picLocks noChangeAspect="1"/>
+          </p:cNvPicPr>
+          <p:nvPr/>
+        </p:nvPicPr>
+        <p:blipFill>
+          <a:blip r:embed="rId10"/>
+          <a:stretch>
+            <a:fillRect/>
+          </a:stretch>
+        </p:blipFill>
+        <p:spPr>
+          <a:xfrm>
+            <a:off x="9544928" y="1934290"/>
+            <a:ext cx="1095528" cy="990738"/>
+          </a:xfrm>
+          <a:prstGeom prst="rect">
+            <a:avLst/>
+          </a:prstGeom>
+        </p:spPr>
+      </p:pic>
+      <p:pic>
+        <p:nvPicPr>
+          <p:cNvPr id="21" name="Picture 20">
+            <a:extLst>
+              <a:ext uri="{FF2B5EF4-FFF2-40B4-BE49-F238E27FC236}">
+                <a16:creationId xmlns:a16="http://schemas.microsoft.com/office/drawing/2014/main" id="{04F92B7C-5C84-3B92-D806-E95EE2D7340F}"/>
+              </a:ext>
+            </a:extLst>
+          </p:cNvPr>
+          <p:cNvPicPr>
+            <a:picLocks noChangeAspect="1"/>
+          </p:cNvPicPr>
+          <p:nvPr/>
+        </p:nvPicPr>
+        <p:blipFill>
+          <a:blip r:embed="rId11"/>
+          <a:stretch>
+            <a:fillRect/>
+          </a:stretch>
+        </p:blipFill>
+        <p:spPr>
+          <a:xfrm>
+            <a:off x="10919381" y="1948579"/>
+            <a:ext cx="1019317" cy="1133633"/>
+          </a:xfrm>
+          <a:prstGeom prst="rect">
+            <a:avLst/>
+          </a:prstGeom>
+        </p:spPr>
+      </p:pic>
+      <p:pic>
+        <p:nvPicPr>
+          <p:cNvPr id="23" name="Picture 22">
+            <a:extLst>
+              <a:ext uri="{FF2B5EF4-FFF2-40B4-BE49-F238E27FC236}">
+                <a16:creationId xmlns:a16="http://schemas.microsoft.com/office/drawing/2014/main" id="{210E6627-732D-1CF1-8664-CD58E541E339}"/>
+              </a:ext>
+            </a:extLst>
+          </p:cNvPr>
+          <p:cNvPicPr>
+            <a:picLocks noChangeAspect="1"/>
+          </p:cNvPicPr>
+          <p:nvPr/>
+        </p:nvPicPr>
+        <p:blipFill>
+          <a:blip r:embed="rId12"/>
+          <a:stretch>
+            <a:fillRect/>
+          </a:stretch>
+        </p:blipFill>
+        <p:spPr>
+          <a:xfrm>
+            <a:off x="405485" y="3463507"/>
+            <a:ext cx="1286054" cy="647790"/>
+          </a:xfrm>
+          <a:prstGeom prst="rect">
+            <a:avLst/>
+          </a:prstGeom>
+        </p:spPr>
+      </p:pic>
+      <p:pic>
+        <p:nvPicPr>
+          <p:cNvPr id="25" name="Picture 24">
+            <a:extLst>
+              <a:ext uri="{FF2B5EF4-FFF2-40B4-BE49-F238E27FC236}">
+                <a16:creationId xmlns:a16="http://schemas.microsoft.com/office/drawing/2014/main" id="{E09D7D23-939D-01A0-8FC0-F3BD383ED248}"/>
+              </a:ext>
+            </a:extLst>
+          </p:cNvPr>
+          <p:cNvPicPr>
+            <a:picLocks noChangeAspect="1"/>
+          </p:cNvPicPr>
+          <p:nvPr/>
+        </p:nvPicPr>
+        <p:blipFill>
+          <a:blip r:embed="rId13"/>
+          <a:stretch>
+            <a:fillRect/>
+          </a:stretch>
+        </p:blipFill>
+        <p:spPr>
+          <a:xfrm>
+            <a:off x="1987986" y="3372067"/>
+            <a:ext cx="1028844" cy="924054"/>
+          </a:xfrm>
+          <a:prstGeom prst="rect">
+            <a:avLst/>
+          </a:prstGeom>
+        </p:spPr>
+      </p:pic>
+      <p:pic>
+        <p:nvPicPr>
+          <p:cNvPr id="27" name="Picture 26">
+            <a:extLst>
+              <a:ext uri="{FF2B5EF4-FFF2-40B4-BE49-F238E27FC236}">
+                <a16:creationId xmlns:a16="http://schemas.microsoft.com/office/drawing/2014/main" id="{05794AD3-B010-BA74-2F73-3660D186B3C9}"/>
+              </a:ext>
+            </a:extLst>
+          </p:cNvPr>
+          <p:cNvPicPr>
+            <a:picLocks noChangeAspect="1"/>
+          </p:cNvPicPr>
+          <p:nvPr/>
+        </p:nvPicPr>
+        <p:blipFill>
+          <a:blip r:embed="rId14"/>
+          <a:stretch>
+            <a:fillRect/>
+          </a:stretch>
+        </p:blipFill>
+        <p:spPr>
+          <a:xfrm>
+            <a:off x="3469298" y="3329198"/>
+            <a:ext cx="1314633" cy="1009791"/>
+          </a:xfrm>
+          <a:prstGeom prst="rect">
+            <a:avLst/>
+          </a:prstGeom>
+        </p:spPr>
+      </p:pic>
+      <p:pic>
+        <p:nvPicPr>
+          <p:cNvPr id="29" name="Picture 28">
+            <a:extLst>
+              <a:ext uri="{FF2B5EF4-FFF2-40B4-BE49-F238E27FC236}">
+                <a16:creationId xmlns:a16="http://schemas.microsoft.com/office/drawing/2014/main" id="{BF9F0BBF-5EA6-DFEF-1927-71F727E914D0}"/>
+              </a:ext>
+            </a:extLst>
+          </p:cNvPr>
+          <p:cNvPicPr>
+            <a:picLocks noChangeAspect="1"/>
+          </p:cNvPicPr>
+          <p:nvPr/>
+        </p:nvPicPr>
+        <p:blipFill>
+          <a:blip r:embed="rId15"/>
+          <a:stretch>
+            <a:fillRect/>
+          </a:stretch>
+        </p:blipFill>
+        <p:spPr>
+          <a:xfrm>
+            <a:off x="5152208" y="3400646"/>
+            <a:ext cx="1247949" cy="895475"/>
+          </a:xfrm>
+          <a:prstGeom prst="rect">
+            <a:avLst/>
+          </a:prstGeom>
+        </p:spPr>
+      </p:pic>
+      <p:pic>
+        <p:nvPicPr>
+          <p:cNvPr id="31" name="Picture 30">
+            <a:extLst>
+              <a:ext uri="{FF2B5EF4-FFF2-40B4-BE49-F238E27FC236}">
+                <a16:creationId xmlns:a16="http://schemas.microsoft.com/office/drawing/2014/main" id="{52E72930-8139-FA4A-F479-C46E6B0E6B15}"/>
+              </a:ext>
+            </a:extLst>
+          </p:cNvPr>
+          <p:cNvPicPr>
+            <a:picLocks noChangeAspect="1"/>
+          </p:cNvPicPr>
+          <p:nvPr/>
+        </p:nvPicPr>
+        <p:blipFill>
+          <a:blip r:embed="rId16"/>
+          <a:stretch>
+            <a:fillRect/>
+          </a:stretch>
+        </p:blipFill>
+        <p:spPr>
+          <a:xfrm>
+            <a:off x="6693530" y="3291092"/>
+            <a:ext cx="981212" cy="1086002"/>
+          </a:xfrm>
+          <a:prstGeom prst="rect">
+            <a:avLst/>
+          </a:prstGeom>
+        </p:spPr>
+      </p:pic>
+      <p:pic>
+        <p:nvPicPr>
+          <p:cNvPr id="33" name="Picture 32">
+            <a:extLst>
+              <a:ext uri="{FF2B5EF4-FFF2-40B4-BE49-F238E27FC236}">
+                <a16:creationId xmlns:a16="http://schemas.microsoft.com/office/drawing/2014/main" id="{54765304-065D-F135-A5D2-DFC4B6BBD61D}"/>
+              </a:ext>
+            </a:extLst>
+          </p:cNvPr>
+          <p:cNvPicPr>
+            <a:picLocks noChangeAspect="1"/>
+          </p:cNvPicPr>
+          <p:nvPr/>
+        </p:nvPicPr>
+        <p:blipFill>
+          <a:blip r:embed="rId17"/>
+          <a:stretch>
+            <a:fillRect/>
+          </a:stretch>
+        </p:blipFill>
+        <p:spPr>
+          <a:xfrm>
+            <a:off x="7936558" y="3329198"/>
+            <a:ext cx="819264" cy="1114581"/>
+          </a:xfrm>
+          <a:prstGeom prst="rect">
+            <a:avLst/>
+          </a:prstGeom>
+        </p:spPr>
+      </p:pic>
+      <p:pic>
+        <p:nvPicPr>
+          <p:cNvPr id="35" name="Picture 34">
+            <a:extLst>
+              <a:ext uri="{FF2B5EF4-FFF2-40B4-BE49-F238E27FC236}">
+                <a16:creationId xmlns:a16="http://schemas.microsoft.com/office/drawing/2014/main" id="{1A1821C7-EF86-9848-4BBB-B0730E7C9DE3}"/>
+              </a:ext>
+            </a:extLst>
+          </p:cNvPr>
+          <p:cNvPicPr>
+            <a:picLocks noChangeAspect="1"/>
+          </p:cNvPicPr>
+          <p:nvPr/>
+        </p:nvPicPr>
+        <p:blipFill>
+          <a:blip r:embed="rId18"/>
+          <a:stretch>
+            <a:fillRect/>
+          </a:stretch>
+        </p:blipFill>
+        <p:spPr>
+          <a:xfrm>
+            <a:off x="9085431" y="3372067"/>
+            <a:ext cx="1009791" cy="1152686"/>
+          </a:xfrm>
+          <a:prstGeom prst="rect">
+            <a:avLst/>
+          </a:prstGeom>
+        </p:spPr>
+      </p:pic>
+    </p:spTree>
+    <p:extLst>
+      <p:ext uri="{BB962C8B-B14F-4D97-AF65-F5344CB8AC3E}">
+        <p14:creationId xmlns:p14="http://schemas.microsoft.com/office/powerpoint/2010/main" val="4025153950"/>
       </p:ext>
     </p:extLst>
   </p:cSld>
